--- a/Documentation/постер.pptx
+++ b/Documentation/постер.pptx
@@ -3999,7 +3999,7 @@
         </p:nvSpPr>
         <p:spPr>
           <a:xfrm>
-            <a:off x="961135" y="1803448"/>
+            <a:off x="455396" y="1825349"/>
             <a:ext cx="12951635" cy="584775"/>
           </a:xfrm>
           <a:prstGeom prst="rect">
@@ -4048,8 +4048,8 @@
         </p:nvSpPr>
         <p:spPr>
           <a:xfrm>
-            <a:off x="369443" y="2388222"/>
-            <a:ext cx="14380464" cy="4368177"/>
+            <a:off x="369441" y="2388221"/>
+            <a:ext cx="14380464" cy="5485628"/>
           </a:xfrm>
           <a:prstGeom prst="roundRect">
             <a:avLst/>
@@ -4092,10 +4092,10 @@
       </p:sp>
       <p:sp>
         <p:nvSpPr>
-          <p:cNvPr id="34" name="Прямоугольник: один скругленный угол 33">
-            <a:extLst>
-              <a:ext uri="{FF2B5EF4-FFF2-40B4-BE49-F238E27FC236}">
-                <a16:creationId xmlns:a16="http://schemas.microsoft.com/office/drawing/2014/main" id="{F12B5CEB-DE59-2521-910A-74F58A3DD2D3}"/>
+          <p:cNvPr id="59" name="Прямоугольник: скругленные углы 58">
+            <a:extLst>
+              <a:ext uri="{FF2B5EF4-FFF2-40B4-BE49-F238E27FC236}">
+                <a16:creationId xmlns:a16="http://schemas.microsoft.com/office/drawing/2014/main" id="{AE2C97E8-B577-B6C8-3E63-B90454D7F80E}"/>
               </a:ext>
             </a:extLst>
           </p:cNvPr>
@@ -4103,518 +4103,9 @@
           <p:nvPr/>
         </p:nvSpPr>
         <p:spPr>
-          <a:xfrm flipH="1">
-            <a:off x="369443" y="2388223"/>
-            <a:ext cx="1134319" cy="690643"/>
-          </a:xfrm>
-          <a:prstGeom prst="round1Rect">
-            <a:avLst/>
-          </a:prstGeom>
-          <a:solidFill>
-            <a:srgbClr val="D3E4F6"/>
-          </a:solidFill>
-          <a:ln>
-            <a:solidFill>
-              <a:srgbClr val="D3E4F6"/>
-            </a:solidFill>
-          </a:ln>
-        </p:spPr>
-        <p:style>
-          <a:lnRef idx="2">
-            <a:schemeClr val="accent1">
-              <a:shade val="15000"/>
-            </a:schemeClr>
-          </a:lnRef>
-          <a:fillRef idx="1">
-            <a:schemeClr val="accent1"/>
-          </a:fillRef>
-          <a:effectRef idx="0">
-            <a:schemeClr val="accent1"/>
-          </a:effectRef>
-          <a:fontRef idx="minor">
-            <a:schemeClr val="lt1"/>
-          </a:fontRef>
-        </p:style>
-        <p:txBody>
-          <a:bodyPr rtlCol="0" anchor="ctr"/>
-          <a:lstStyle/>
-          <a:p>
-            <a:pPr algn="ctr"/>
-            <a:endParaRPr lang="ru-RU"/>
-          </a:p>
-        </p:txBody>
-      </p:sp>
-      <p:sp>
-        <p:nvSpPr>
-          <p:cNvPr id="35" name="Прямоугольник: один скругленный угол 34">
-            <a:extLst>
-              <a:ext uri="{FF2B5EF4-FFF2-40B4-BE49-F238E27FC236}">
-                <a16:creationId xmlns:a16="http://schemas.microsoft.com/office/drawing/2014/main" id="{FFE5EE46-9427-3807-9414-7118429E605E}"/>
-              </a:ext>
-            </a:extLst>
-          </p:cNvPr>
-          <p:cNvSpPr/>
-          <p:nvPr/>
-        </p:nvSpPr>
-        <p:spPr>
-          <a:xfrm flipH="1" flipV="1">
-            <a:off x="369442" y="6065756"/>
-            <a:ext cx="1134319" cy="690643"/>
-          </a:xfrm>
-          <a:prstGeom prst="round1Rect">
-            <a:avLst/>
-          </a:prstGeom>
-          <a:solidFill>
-            <a:srgbClr val="D3E4F6"/>
-          </a:solidFill>
-          <a:ln>
-            <a:solidFill>
-              <a:srgbClr val="D3E4F6"/>
-            </a:solidFill>
-          </a:ln>
-        </p:spPr>
-        <p:style>
-          <a:lnRef idx="2">
-            <a:schemeClr val="accent1">
-              <a:shade val="15000"/>
-            </a:schemeClr>
-          </a:lnRef>
-          <a:fillRef idx="1">
-            <a:schemeClr val="accent1"/>
-          </a:fillRef>
-          <a:effectRef idx="0">
-            <a:schemeClr val="accent1"/>
-          </a:effectRef>
-          <a:fontRef idx="minor">
-            <a:schemeClr val="lt1"/>
-          </a:fontRef>
-        </p:style>
-        <p:txBody>
-          <a:bodyPr rtlCol="0" anchor="ctr"/>
-          <a:lstStyle/>
-          <a:p>
-            <a:pPr algn="ctr"/>
-            <a:endParaRPr lang="ru-RU"/>
-          </a:p>
-        </p:txBody>
-      </p:sp>
-      <p:sp>
-        <p:nvSpPr>
-          <p:cNvPr id="36" name="Прямоугольник: один скругленный угол 35">
-            <a:extLst>
-              <a:ext uri="{FF2B5EF4-FFF2-40B4-BE49-F238E27FC236}">
-                <a16:creationId xmlns:a16="http://schemas.microsoft.com/office/drawing/2014/main" id="{65D30EDC-E901-6247-D2ED-44ACE1003662}"/>
-              </a:ext>
-            </a:extLst>
-          </p:cNvPr>
-          <p:cNvSpPr/>
-          <p:nvPr/>
-        </p:nvSpPr>
-        <p:spPr>
-          <a:xfrm flipV="1">
-            <a:off x="13615588" y="6065755"/>
-            <a:ext cx="1134319" cy="690643"/>
-          </a:xfrm>
-          <a:prstGeom prst="round1Rect">
-            <a:avLst/>
-          </a:prstGeom>
-          <a:solidFill>
-            <a:srgbClr val="D3E4F6"/>
-          </a:solidFill>
-          <a:ln>
-            <a:solidFill>
-              <a:srgbClr val="D3E4F6"/>
-            </a:solidFill>
-          </a:ln>
-        </p:spPr>
-        <p:style>
-          <a:lnRef idx="2">
-            <a:schemeClr val="accent1">
-              <a:shade val="15000"/>
-            </a:schemeClr>
-          </a:lnRef>
-          <a:fillRef idx="1">
-            <a:schemeClr val="accent1"/>
-          </a:fillRef>
-          <a:effectRef idx="0">
-            <a:schemeClr val="accent1"/>
-          </a:effectRef>
-          <a:fontRef idx="minor">
-            <a:schemeClr val="lt1"/>
-          </a:fontRef>
-        </p:style>
-        <p:txBody>
-          <a:bodyPr rtlCol="0" anchor="ctr"/>
-          <a:lstStyle/>
-          <a:p>
-            <a:pPr algn="ctr"/>
-            <a:endParaRPr lang="ru-RU"/>
-          </a:p>
-        </p:txBody>
-      </p:sp>
-      <p:sp>
-        <p:nvSpPr>
-          <p:cNvPr id="37" name="Прямоугольник: один скругленный угол 36">
-            <a:extLst>
-              <a:ext uri="{FF2B5EF4-FFF2-40B4-BE49-F238E27FC236}">
-                <a16:creationId xmlns:a16="http://schemas.microsoft.com/office/drawing/2014/main" id="{75B2BF91-E274-7CBE-90C8-6943F8022078}"/>
-              </a:ext>
-            </a:extLst>
-          </p:cNvPr>
-          <p:cNvSpPr/>
-          <p:nvPr/>
-        </p:nvSpPr>
-        <p:spPr>
           <a:xfrm>
-            <a:off x="13615587" y="2388221"/>
-            <a:ext cx="1134319" cy="690643"/>
-          </a:xfrm>
-          <a:prstGeom prst="round1Rect">
-            <a:avLst/>
-          </a:prstGeom>
-          <a:solidFill>
-            <a:srgbClr val="D3E4F6"/>
-          </a:solidFill>
-          <a:ln>
-            <a:solidFill>
-              <a:srgbClr val="D3E4F6"/>
-            </a:solidFill>
-          </a:ln>
-        </p:spPr>
-        <p:style>
-          <a:lnRef idx="2">
-            <a:schemeClr val="accent1">
-              <a:shade val="15000"/>
-            </a:schemeClr>
-          </a:lnRef>
-          <a:fillRef idx="1">
-            <a:schemeClr val="accent1"/>
-          </a:fillRef>
-          <a:effectRef idx="0">
-            <a:schemeClr val="accent1"/>
-          </a:effectRef>
-          <a:fontRef idx="minor">
-            <a:schemeClr val="lt1"/>
-          </a:fontRef>
-        </p:style>
-        <p:txBody>
-          <a:bodyPr rtlCol="0" anchor="ctr"/>
-          <a:lstStyle/>
-          <a:p>
-            <a:pPr algn="ctr"/>
-            <a:endParaRPr lang="ru-RU" dirty="0"/>
-          </a:p>
-        </p:txBody>
-      </p:sp>
-      <p:grpSp>
-        <p:nvGrpSpPr>
-          <p:cNvPr id="47" name="Группа 46">
-            <a:extLst>
-              <a:ext uri="{FF2B5EF4-FFF2-40B4-BE49-F238E27FC236}">
-                <a16:creationId xmlns:a16="http://schemas.microsoft.com/office/drawing/2014/main" id="{D18C8077-AF98-6EBC-F03F-D0F1F1058438}"/>
-              </a:ext>
-            </a:extLst>
-          </p:cNvPr>
-          <p:cNvGrpSpPr/>
-          <p:nvPr/>
-        </p:nvGrpSpPr>
-        <p:grpSpPr>
-          <a:xfrm>
-            <a:off x="369442" y="17745922"/>
-            <a:ext cx="14380465" cy="2134532"/>
-            <a:chOff x="369442" y="2388221"/>
-            <a:chExt cx="14380465" cy="4368178"/>
-          </a:xfrm>
-        </p:grpSpPr>
-        <p:sp>
-          <p:nvSpPr>
-            <p:cNvPr id="48" name="Прямоугольник: скругленные углы 47">
-              <a:extLst>
-                <a:ext uri="{FF2B5EF4-FFF2-40B4-BE49-F238E27FC236}">
-                  <a16:creationId xmlns:a16="http://schemas.microsoft.com/office/drawing/2014/main" id="{1D5A501D-487A-93EB-0AC0-BFE81C5F3C41}"/>
-                </a:ext>
-              </a:extLst>
-            </p:cNvPr>
-            <p:cNvSpPr/>
-            <p:nvPr/>
-          </p:nvSpPr>
-          <p:spPr>
-            <a:xfrm>
-              <a:off x="369443" y="2388222"/>
-              <a:ext cx="14380464" cy="4368177"/>
-            </a:xfrm>
-            <a:prstGeom prst="roundRect">
-              <a:avLst/>
-            </a:prstGeom>
-            <a:solidFill>
-              <a:srgbClr val="D3E4F6">
-                <a:alpha val="97000"/>
-              </a:srgbClr>
-            </a:solidFill>
-            <a:ln>
-              <a:solidFill>
-                <a:srgbClr val="D3E4F6"/>
-              </a:solidFill>
-            </a:ln>
-          </p:spPr>
-          <p:style>
-            <a:lnRef idx="2">
-              <a:schemeClr val="accent1">
-                <a:shade val="15000"/>
-              </a:schemeClr>
-            </a:lnRef>
-            <a:fillRef idx="1">
-              <a:schemeClr val="accent1"/>
-            </a:fillRef>
-            <a:effectRef idx="0">
-              <a:schemeClr val="accent1"/>
-            </a:effectRef>
-            <a:fontRef idx="minor">
-              <a:schemeClr val="lt1"/>
-            </a:fontRef>
-          </p:style>
-          <p:txBody>
-            <a:bodyPr rtlCol="0" anchor="ctr"/>
-            <a:lstStyle/>
-            <a:p>
-              <a:pPr algn="ctr"/>
-              <a:endParaRPr lang="ru-RU" dirty="0"/>
-            </a:p>
-          </p:txBody>
-        </p:sp>
-        <p:sp>
-          <p:nvSpPr>
-            <p:cNvPr id="49" name="Прямоугольник: один скругленный угол 48">
-              <a:extLst>
-                <a:ext uri="{FF2B5EF4-FFF2-40B4-BE49-F238E27FC236}">
-                  <a16:creationId xmlns:a16="http://schemas.microsoft.com/office/drawing/2014/main" id="{E3285F4E-47E9-75E0-DEEE-CF7B6094088D}"/>
-                </a:ext>
-              </a:extLst>
-            </p:cNvPr>
-            <p:cNvSpPr/>
-            <p:nvPr/>
-          </p:nvSpPr>
-          <p:spPr>
-            <a:xfrm flipH="1">
-              <a:off x="369443" y="2388223"/>
-              <a:ext cx="1134319" cy="690643"/>
-            </a:xfrm>
-            <a:prstGeom prst="round1Rect">
-              <a:avLst/>
-            </a:prstGeom>
-            <a:solidFill>
-              <a:srgbClr val="D3E4F6"/>
-            </a:solidFill>
-            <a:ln>
-              <a:solidFill>
-                <a:srgbClr val="D3E4F6"/>
-              </a:solidFill>
-            </a:ln>
-          </p:spPr>
-          <p:style>
-            <a:lnRef idx="2">
-              <a:schemeClr val="accent1">
-                <a:shade val="15000"/>
-              </a:schemeClr>
-            </a:lnRef>
-            <a:fillRef idx="1">
-              <a:schemeClr val="accent1"/>
-            </a:fillRef>
-            <a:effectRef idx="0">
-              <a:schemeClr val="accent1"/>
-            </a:effectRef>
-            <a:fontRef idx="minor">
-              <a:schemeClr val="lt1"/>
-            </a:fontRef>
-          </p:style>
-          <p:txBody>
-            <a:bodyPr rtlCol="0" anchor="ctr"/>
-            <a:lstStyle/>
-            <a:p>
-              <a:pPr algn="ctr"/>
-              <a:endParaRPr lang="ru-RU"/>
-            </a:p>
-          </p:txBody>
-        </p:sp>
-        <p:sp>
-          <p:nvSpPr>
-            <p:cNvPr id="50" name="Прямоугольник: один скругленный угол 49">
-              <a:extLst>
-                <a:ext uri="{FF2B5EF4-FFF2-40B4-BE49-F238E27FC236}">
-                  <a16:creationId xmlns:a16="http://schemas.microsoft.com/office/drawing/2014/main" id="{0218648C-2FF0-D438-F639-DE87C31E65A5}"/>
-                </a:ext>
-              </a:extLst>
-            </p:cNvPr>
-            <p:cNvSpPr/>
-            <p:nvPr/>
-          </p:nvSpPr>
-          <p:spPr>
-            <a:xfrm flipH="1" flipV="1">
-              <a:off x="369442" y="6065756"/>
-              <a:ext cx="1134319" cy="690643"/>
-            </a:xfrm>
-            <a:prstGeom prst="round1Rect">
-              <a:avLst/>
-            </a:prstGeom>
-            <a:solidFill>
-              <a:srgbClr val="D3E4F6"/>
-            </a:solidFill>
-            <a:ln>
-              <a:solidFill>
-                <a:srgbClr val="D3E4F6"/>
-              </a:solidFill>
-            </a:ln>
-          </p:spPr>
-          <p:style>
-            <a:lnRef idx="2">
-              <a:schemeClr val="accent1">
-                <a:shade val="15000"/>
-              </a:schemeClr>
-            </a:lnRef>
-            <a:fillRef idx="1">
-              <a:schemeClr val="accent1"/>
-            </a:fillRef>
-            <a:effectRef idx="0">
-              <a:schemeClr val="accent1"/>
-            </a:effectRef>
-            <a:fontRef idx="minor">
-              <a:schemeClr val="lt1"/>
-            </a:fontRef>
-          </p:style>
-          <p:txBody>
-            <a:bodyPr rtlCol="0" anchor="ctr"/>
-            <a:lstStyle/>
-            <a:p>
-              <a:pPr algn="ctr"/>
-              <a:endParaRPr lang="ru-RU"/>
-            </a:p>
-          </p:txBody>
-        </p:sp>
-        <p:sp>
-          <p:nvSpPr>
-            <p:cNvPr id="51" name="Прямоугольник: один скругленный угол 50">
-              <a:extLst>
-                <a:ext uri="{FF2B5EF4-FFF2-40B4-BE49-F238E27FC236}">
-                  <a16:creationId xmlns:a16="http://schemas.microsoft.com/office/drawing/2014/main" id="{5D505707-C882-6BB8-18B8-8D85829648AE}"/>
-                </a:ext>
-              </a:extLst>
-            </p:cNvPr>
-            <p:cNvSpPr/>
-            <p:nvPr/>
-          </p:nvSpPr>
-          <p:spPr>
-            <a:xfrm flipV="1">
-              <a:off x="13615588" y="6065755"/>
-              <a:ext cx="1134319" cy="690643"/>
-            </a:xfrm>
-            <a:prstGeom prst="round1Rect">
-              <a:avLst/>
-            </a:prstGeom>
-            <a:solidFill>
-              <a:srgbClr val="D3E4F6"/>
-            </a:solidFill>
-            <a:ln>
-              <a:solidFill>
-                <a:srgbClr val="D3E4F6"/>
-              </a:solidFill>
-            </a:ln>
-          </p:spPr>
-          <p:style>
-            <a:lnRef idx="2">
-              <a:schemeClr val="accent1">
-                <a:shade val="15000"/>
-              </a:schemeClr>
-            </a:lnRef>
-            <a:fillRef idx="1">
-              <a:schemeClr val="accent1"/>
-            </a:fillRef>
-            <a:effectRef idx="0">
-              <a:schemeClr val="accent1"/>
-            </a:effectRef>
-            <a:fontRef idx="minor">
-              <a:schemeClr val="lt1"/>
-            </a:fontRef>
-          </p:style>
-          <p:txBody>
-            <a:bodyPr rtlCol="0" anchor="ctr"/>
-            <a:lstStyle/>
-            <a:p>
-              <a:pPr algn="ctr"/>
-              <a:endParaRPr lang="ru-RU"/>
-            </a:p>
-          </p:txBody>
-        </p:sp>
-        <p:sp>
-          <p:nvSpPr>
-            <p:cNvPr id="52" name="Прямоугольник: один скругленный угол 51">
-              <a:extLst>
-                <a:ext uri="{FF2B5EF4-FFF2-40B4-BE49-F238E27FC236}">
-                  <a16:creationId xmlns:a16="http://schemas.microsoft.com/office/drawing/2014/main" id="{D873BFF2-0376-C336-31DA-C661ABAEC16E}"/>
-                </a:ext>
-              </a:extLst>
-            </p:cNvPr>
-            <p:cNvSpPr/>
-            <p:nvPr/>
-          </p:nvSpPr>
-          <p:spPr>
-            <a:xfrm>
-              <a:off x="13615587" y="2388221"/>
-              <a:ext cx="1134319" cy="690643"/>
-            </a:xfrm>
-            <a:prstGeom prst="round1Rect">
-              <a:avLst/>
-            </a:prstGeom>
-            <a:solidFill>
-              <a:srgbClr val="D3E4F6"/>
-            </a:solidFill>
-            <a:ln>
-              <a:solidFill>
-                <a:srgbClr val="D3E4F6"/>
-              </a:solidFill>
-            </a:ln>
-          </p:spPr>
-          <p:style>
-            <a:lnRef idx="2">
-              <a:schemeClr val="accent1">
-                <a:shade val="15000"/>
-              </a:schemeClr>
-            </a:lnRef>
-            <a:fillRef idx="1">
-              <a:schemeClr val="accent1"/>
-            </a:fillRef>
-            <a:effectRef idx="0">
-              <a:schemeClr val="accent1"/>
-            </a:effectRef>
-            <a:fontRef idx="minor">
-              <a:schemeClr val="lt1"/>
-            </a:fontRef>
-          </p:style>
-          <p:txBody>
-            <a:bodyPr rtlCol="0" anchor="ctr"/>
-            <a:lstStyle/>
-            <a:p>
-              <a:pPr algn="ctr"/>
-              <a:endParaRPr lang="ru-RU" dirty="0"/>
-            </a:p>
-          </p:txBody>
-        </p:sp>
-      </p:grpSp>
-      <p:sp>
-        <p:nvSpPr>
-          <p:cNvPr id="59" name="Прямоугольник: скругленные углы 58">
-            <a:extLst>
-              <a:ext uri="{FF2B5EF4-FFF2-40B4-BE49-F238E27FC236}">
-                <a16:creationId xmlns:a16="http://schemas.microsoft.com/office/drawing/2014/main" id="{AE2C97E8-B577-B6C8-3E63-B90454D7F80E}"/>
-              </a:ext>
-            </a:extLst>
-          </p:cNvPr>
-          <p:cNvSpPr/>
-          <p:nvPr/>
-        </p:nvSpPr>
-        <p:spPr>
-          <a:xfrm>
-            <a:off x="369442" y="7893934"/>
-            <a:ext cx="6379858" cy="9203670"/>
+            <a:off x="369441" y="8476834"/>
+            <a:ext cx="14377391" cy="11081442"/>
           </a:xfrm>
           <a:prstGeom prst="roundRect">
             <a:avLst/>
@@ -4657,10 +4148,10 @@
       </p:sp>
       <p:sp>
         <p:nvSpPr>
-          <p:cNvPr id="60" name="Прямоугольник: скругленные углы 59">
-            <a:extLst>
-              <a:ext uri="{FF2B5EF4-FFF2-40B4-BE49-F238E27FC236}">
-                <a16:creationId xmlns:a16="http://schemas.microsoft.com/office/drawing/2014/main" id="{8C0A4361-2B98-D206-BC44-69D20A6ED1FD}"/>
+          <p:cNvPr id="67" name="Прямоугольник: один скругленный угол 66">
+            <a:extLst>
+              <a:ext uri="{FF2B5EF4-FFF2-40B4-BE49-F238E27FC236}">
+                <a16:creationId xmlns:a16="http://schemas.microsoft.com/office/drawing/2014/main" id="{56812487-FD39-3FB4-96EC-F2D5B724F105}"/>
               </a:ext>
             </a:extLst>
           </p:cNvPr>
@@ -4669,64 +4160,8 @@
         </p:nvSpPr>
         <p:spPr>
           <a:xfrm>
-            <a:off x="7053856" y="7892424"/>
-            <a:ext cx="7696050" cy="9667316"/>
-          </a:xfrm>
-          <a:prstGeom prst="roundRect">
-            <a:avLst/>
-          </a:prstGeom>
-          <a:solidFill>
-            <a:srgbClr val="D3E4F6">
-              <a:alpha val="97000"/>
-            </a:srgbClr>
-          </a:solidFill>
-          <a:ln>
-            <a:solidFill>
-              <a:srgbClr val="D3E4F6"/>
-            </a:solidFill>
-          </a:ln>
-        </p:spPr>
-        <p:style>
-          <a:lnRef idx="2">
-            <a:schemeClr val="accent1">
-              <a:shade val="15000"/>
-            </a:schemeClr>
-          </a:lnRef>
-          <a:fillRef idx="1">
-            <a:schemeClr val="accent1"/>
-          </a:fillRef>
-          <a:effectRef idx="0">
-            <a:schemeClr val="accent1"/>
-          </a:effectRef>
-          <a:fontRef idx="minor">
-            <a:schemeClr val="lt1"/>
-          </a:fontRef>
-        </p:style>
-        <p:txBody>
-          <a:bodyPr rtlCol="0" anchor="ctr"/>
-          <a:lstStyle/>
-          <a:p>
-            <a:pPr algn="ctr"/>
-            <a:endParaRPr lang="ru-RU" dirty="0"/>
-          </a:p>
-        </p:txBody>
-      </p:sp>
-      <p:sp>
-        <p:nvSpPr>
-          <p:cNvPr id="61" name="Прямоугольник: один скругленный угол 60">
-            <a:extLst>
-              <a:ext uri="{FF2B5EF4-FFF2-40B4-BE49-F238E27FC236}">
-                <a16:creationId xmlns:a16="http://schemas.microsoft.com/office/drawing/2014/main" id="{2A0317D1-0ADE-578E-5B74-945E26F542BA}"/>
-              </a:ext>
-            </a:extLst>
-          </p:cNvPr>
-          <p:cNvSpPr/>
-          <p:nvPr/>
-        </p:nvSpPr>
-        <p:spPr>
-          <a:xfrm flipV="1">
-            <a:off x="13529635" y="16389101"/>
-            <a:ext cx="1134319" cy="1170999"/>
+            <a:off x="12161112" y="8476833"/>
+            <a:ext cx="2585719" cy="2140317"/>
           </a:xfrm>
           <a:prstGeom prst="round1Rect">
             <a:avLst/>
@@ -4761,16 +4196,183 @@
           <a:lstStyle/>
           <a:p>
             <a:pPr algn="ctr"/>
-            <a:endParaRPr lang="ru-RU"/>
-          </a:p>
-        </p:txBody>
-      </p:sp>
-      <p:sp>
-        <p:nvSpPr>
-          <p:cNvPr id="62" name="Прямоугольник: один скругленный угол 61">
-            <a:extLst>
-              <a:ext uri="{FF2B5EF4-FFF2-40B4-BE49-F238E27FC236}">
-                <a16:creationId xmlns:a16="http://schemas.microsoft.com/office/drawing/2014/main" id="{BAD68FAD-EBE4-2EFB-B87C-CA43C8796860}"/>
+            <a:endParaRPr lang="ru-RU" dirty="0"/>
+          </a:p>
+        </p:txBody>
+      </p:sp>
+      <p:sp>
+        <p:nvSpPr>
+          <p:cNvPr id="71" name="TextBox 70">
+            <a:extLst>
+              <a:ext uri="{FF2B5EF4-FFF2-40B4-BE49-F238E27FC236}">
+                <a16:creationId xmlns:a16="http://schemas.microsoft.com/office/drawing/2014/main" id="{3F761020-23F8-6D43-88D1-35ED9656D30A}"/>
+              </a:ext>
+            </a:extLst>
+          </p:cNvPr>
+          <p:cNvSpPr txBox="1"/>
+          <p:nvPr/>
+        </p:nvSpPr>
+        <p:spPr>
+          <a:xfrm>
+            <a:off x="455396" y="7873850"/>
+            <a:ext cx="7286524" cy="584775"/>
+          </a:xfrm>
+          <a:prstGeom prst="rect">
+            <a:avLst/>
+          </a:prstGeom>
+          <a:noFill/>
+        </p:spPr>
+        <p:txBody>
+          <a:bodyPr wrap="square" rtlCol="0">
+            <a:spAutoFit/>
+          </a:bodyPr>
+          <a:lstStyle/>
+          <a:p>
+            <a:r>
+              <a:rPr lang="ru-RU" sz="3200" dirty="0">
+                <a:latin typeface="Arial Black" panose="020B0A04020102020204" pitchFamily="34" charset="0"/>
+              </a:rPr>
+              <a:t>Разработка продукта</a:t>
+            </a:r>
+            <a:r>
+              <a:rPr lang="en-US" sz="3200" dirty="0">
+                <a:latin typeface="Arial Black" panose="020B0A04020102020204" pitchFamily="34" charset="0"/>
+              </a:rPr>
+              <a:t> (MVP)</a:t>
+            </a:r>
+            <a:endParaRPr lang="ru-RU" sz="3200" dirty="0">
+              <a:latin typeface="Arial Black" panose="020B0A04020102020204" pitchFamily="34" charset="0"/>
+            </a:endParaRPr>
+          </a:p>
+        </p:txBody>
+      </p:sp>
+      <p:pic>
+        <p:nvPicPr>
+          <p:cNvPr id="22" name="Рисунок 21" descr="Изображение выглядит как Шрифт, текст, логотип, Графика&#10;&#10;Контент, сгенерированный ИИ, может содержать ошибки.">
+            <a:extLst>
+              <a:ext uri="{FF2B5EF4-FFF2-40B4-BE49-F238E27FC236}">
+                <a16:creationId xmlns:a16="http://schemas.microsoft.com/office/drawing/2014/main" id="{28D01C51-C253-A37D-AF03-42BDD47D404E}"/>
+              </a:ext>
+            </a:extLst>
+          </p:cNvPr>
+          <p:cNvPicPr>
+            <a:picLocks noChangeAspect="1"/>
+          </p:cNvPicPr>
+          <p:nvPr/>
+        </p:nvPicPr>
+        <p:blipFill>
+          <a:blip r:embed="rId3">
+            <a:extLst>
+              <a:ext uri="{28A0092B-C50C-407E-A947-70E740481C1C}">
+                <a14:useLocalDpi xmlns:a14="http://schemas.microsoft.com/office/drawing/2010/main" val="0"/>
+              </a:ext>
+            </a:extLst>
+          </a:blip>
+          <a:stretch>
+            <a:fillRect/>
+          </a:stretch>
+        </p:blipFill>
+        <p:spPr>
+          <a:xfrm>
+            <a:off x="11162236" y="20066636"/>
+            <a:ext cx="3771907" cy="1138430"/>
+          </a:xfrm>
+          <a:prstGeom prst="rect">
+            <a:avLst/>
+          </a:prstGeom>
+        </p:spPr>
+      </p:pic>
+      <p:sp>
+        <p:nvSpPr>
+          <p:cNvPr id="11" name="TextBox 10">
+            <a:extLst>
+              <a:ext uri="{FF2B5EF4-FFF2-40B4-BE49-F238E27FC236}">
+                <a16:creationId xmlns:a16="http://schemas.microsoft.com/office/drawing/2014/main" id="{03FBAAEE-CB16-9E91-4B50-5CB2698E255F}"/>
+              </a:ext>
+            </a:extLst>
+          </p:cNvPr>
+          <p:cNvSpPr txBox="1"/>
+          <p:nvPr/>
+        </p:nvSpPr>
+        <p:spPr>
+          <a:xfrm>
+            <a:off x="153285" y="20614289"/>
+            <a:ext cx="8784721" cy="646331"/>
+          </a:xfrm>
+          <a:prstGeom prst="rect">
+            <a:avLst/>
+          </a:prstGeom>
+          <a:noFill/>
+        </p:spPr>
+        <p:txBody>
+          <a:bodyPr wrap="square" rtlCol="0">
+            <a:spAutoFit/>
+          </a:bodyPr>
+          <a:lstStyle/>
+          <a:p>
+            <a:r>
+              <a:rPr lang="ru-RU" sz="1800" baseline="30000" dirty="0">
+                <a:latin typeface="Arial" panose="020B0604020202020204" pitchFamily="34" charset="0"/>
+                <a:cs typeface="Arial" panose="020B0604020202020204" pitchFamily="34" charset="0"/>
+              </a:rPr>
+              <a:t>1</a:t>
+            </a:r>
+            <a:r>
+              <a:rPr lang="ru-RU" sz="1800" dirty="0">
+                <a:latin typeface="Arial" panose="020B0604020202020204" pitchFamily="34" charset="0"/>
+                <a:cs typeface="Arial" panose="020B0604020202020204" pitchFamily="34" charset="0"/>
+              </a:rPr>
+              <a:t> Московский физико-технический институт (национальный исследовательский университет), г. Долгопрудный</a:t>
+            </a:r>
+            <a:endParaRPr lang="en-US" sz="1800" dirty="0">
+              <a:latin typeface="Arial" panose="020B0604020202020204" pitchFamily="34" charset="0"/>
+              <a:cs typeface="Arial" panose="020B0604020202020204" pitchFamily="34" charset="0"/>
+            </a:endParaRPr>
+          </a:p>
+        </p:txBody>
+      </p:sp>
+      <p:pic>
+        <p:nvPicPr>
+          <p:cNvPr id="7" name="Рисунок 6" descr="Изображение выглядит как Графика, Шрифт, типография, Цвет электрик&#10;&#10;Контент, сгенерированный ИИ, может содержать ошибки.">
+            <a:extLst>
+              <a:ext uri="{FF2B5EF4-FFF2-40B4-BE49-F238E27FC236}">
+                <a16:creationId xmlns:a16="http://schemas.microsoft.com/office/drawing/2014/main" id="{E932337C-3BF4-D1D5-D220-B425744F5C3C}"/>
+              </a:ext>
+            </a:extLst>
+          </p:cNvPr>
+          <p:cNvPicPr>
+            <a:picLocks noChangeAspect="1"/>
+          </p:cNvPicPr>
+          <p:nvPr/>
+        </p:nvPicPr>
+        <p:blipFill>
+          <a:blip r:embed="rId4">
+            <a:extLst>
+              <a:ext uri="{28A0092B-C50C-407E-A947-70E740481C1C}">
+                <a14:useLocalDpi xmlns:a14="http://schemas.microsoft.com/office/drawing/2010/main" val="0"/>
+              </a:ext>
+            </a:extLst>
+          </a:blip>
+          <a:stretch>
+            <a:fillRect/>
+          </a:stretch>
+        </p:blipFill>
+        <p:spPr>
+          <a:xfrm>
+            <a:off x="9726798" y="20066636"/>
+            <a:ext cx="1316248" cy="1316248"/>
+          </a:xfrm>
+          <a:prstGeom prst="rect">
+            <a:avLst/>
+          </a:prstGeom>
+        </p:spPr>
+      </p:pic>
+      <p:sp>
+        <p:nvSpPr>
+          <p:cNvPr id="14" name="Прямоугольник: один скругленный угол 13">
+            <a:extLst>
+              <a:ext uri="{FF2B5EF4-FFF2-40B4-BE49-F238E27FC236}">
+                <a16:creationId xmlns:a16="http://schemas.microsoft.com/office/drawing/2014/main" id="{AEB29E3D-5B75-5C5F-27A8-45279A6E252E}"/>
               </a:ext>
             </a:extLst>
           </p:cNvPr>
@@ -4778,9 +4380,9 @@
           <p:nvPr/>
         </p:nvSpPr>
         <p:spPr>
-          <a:xfrm flipV="1">
-            <a:off x="5614982" y="15916427"/>
-            <a:ext cx="1134319" cy="1170999"/>
+          <a:xfrm>
+            <a:off x="12161113" y="2388220"/>
+            <a:ext cx="2585719" cy="2140317"/>
           </a:xfrm>
           <a:prstGeom prst="round1Rect">
             <a:avLst/>
@@ -4815,16 +4417,16 @@
           <a:lstStyle/>
           <a:p>
             <a:pPr algn="ctr"/>
-            <a:endParaRPr lang="ru-RU"/>
-          </a:p>
-        </p:txBody>
-      </p:sp>
-      <p:sp>
-        <p:nvSpPr>
-          <p:cNvPr id="63" name="Прямоугольник: один скругленный угол 62">
-            <a:extLst>
-              <a:ext uri="{FF2B5EF4-FFF2-40B4-BE49-F238E27FC236}">
-                <a16:creationId xmlns:a16="http://schemas.microsoft.com/office/drawing/2014/main" id="{E6E4DE2E-ED02-D195-891B-26599335375B}"/>
+            <a:endParaRPr lang="ru-RU" dirty="0"/>
+          </a:p>
+        </p:txBody>
+      </p:sp>
+      <p:sp>
+        <p:nvSpPr>
+          <p:cNvPr id="16" name="Прямоугольник: один скругленный угол 15">
+            <a:extLst>
+              <a:ext uri="{FF2B5EF4-FFF2-40B4-BE49-F238E27FC236}">
+                <a16:creationId xmlns:a16="http://schemas.microsoft.com/office/drawing/2014/main" id="{68CCDAEC-A29F-3383-D8E5-7A58901E0D0F}"/>
               </a:ext>
             </a:extLst>
           </p:cNvPr>
@@ -4832,9 +4434,9 @@
           <p:nvPr/>
         </p:nvSpPr>
         <p:spPr>
-          <a:xfrm flipH="1" flipV="1">
-            <a:off x="369438" y="15926605"/>
-            <a:ext cx="1134319" cy="1170999"/>
+          <a:xfrm flipH="1">
+            <a:off x="366368" y="2388220"/>
+            <a:ext cx="2585719" cy="2140317"/>
           </a:xfrm>
           <a:prstGeom prst="round1Rect">
             <a:avLst/>
@@ -4875,10 +4477,10 @@
       </p:sp>
       <p:sp>
         <p:nvSpPr>
-          <p:cNvPr id="64" name="Прямоугольник: один скругленный угол 63">
-            <a:extLst>
-              <a:ext uri="{FF2B5EF4-FFF2-40B4-BE49-F238E27FC236}">
-                <a16:creationId xmlns:a16="http://schemas.microsoft.com/office/drawing/2014/main" id="{F2E82E36-9E97-DFCA-0AFD-168849153676}"/>
+          <p:cNvPr id="18" name="Прямоугольник: один скругленный угол 17">
+            <a:extLst>
+              <a:ext uri="{FF2B5EF4-FFF2-40B4-BE49-F238E27FC236}">
+                <a16:creationId xmlns:a16="http://schemas.microsoft.com/office/drawing/2014/main" id="{10E20765-09DA-3B9B-8215-10A243FE6911}"/>
               </a:ext>
             </a:extLst>
           </p:cNvPr>
@@ -4887,8 +4489,8 @@
         </p:nvSpPr>
         <p:spPr>
           <a:xfrm flipH="1" flipV="1">
-            <a:off x="7048990" y="16267931"/>
-            <a:ext cx="1321062" cy="1291809"/>
+            <a:off x="366367" y="5733532"/>
+            <a:ext cx="2585719" cy="2140317"/>
           </a:xfrm>
           <a:prstGeom prst="round1Rect">
             <a:avLst/>
@@ -4929,10 +4531,10 @@
       </p:sp>
       <p:sp>
         <p:nvSpPr>
-          <p:cNvPr id="65" name="Прямоугольник: один скругленный угол 64">
-            <a:extLst>
-              <a:ext uri="{FF2B5EF4-FFF2-40B4-BE49-F238E27FC236}">
-                <a16:creationId xmlns:a16="http://schemas.microsoft.com/office/drawing/2014/main" id="{CD7FACF2-51B8-4AD7-A0A4-43D128C7D414}"/>
+          <p:cNvPr id="19" name="Прямоугольник: один скругленный угол 18">
+            <a:extLst>
+              <a:ext uri="{FF2B5EF4-FFF2-40B4-BE49-F238E27FC236}">
+                <a16:creationId xmlns:a16="http://schemas.microsoft.com/office/drawing/2014/main" id="{A1284AC4-C248-956F-ABE3-701EFCAF2EDA}"/>
               </a:ext>
             </a:extLst>
           </p:cNvPr>
@@ -4940,9 +4542,9 @@
           <p:nvPr/>
         </p:nvSpPr>
         <p:spPr>
-          <a:xfrm flipH="1">
-            <a:off x="369439" y="7893932"/>
-            <a:ext cx="1134319" cy="1170999"/>
+          <a:xfrm flipV="1">
+            <a:off x="12161113" y="5733532"/>
+            <a:ext cx="2585719" cy="2140317"/>
           </a:xfrm>
           <a:prstGeom prst="round1Rect">
             <a:avLst/>
@@ -4981,12 +4583,316 @@
           </a:p>
         </p:txBody>
       </p:sp>
-      <p:sp>
-        <p:nvSpPr>
-          <p:cNvPr id="66" name="Прямоугольник: один скругленный угол 65">
-            <a:extLst>
-              <a:ext uri="{FF2B5EF4-FFF2-40B4-BE49-F238E27FC236}">
-                <a16:creationId xmlns:a16="http://schemas.microsoft.com/office/drawing/2014/main" id="{73643678-EFCD-D5CD-87A0-721543CC2768}"/>
+      <mc:AlternateContent xmlns:mc="http://schemas.openxmlformats.org/markup-compatibility/2006">
+        <mc:Choice xmlns:a14="http://schemas.microsoft.com/office/drawing/2010/main" Requires="a14">
+          <p:sp>
+            <p:nvSpPr>
+              <p:cNvPr id="12" name="TextBox 11">
+                <a:extLst>
+                  <a:ext uri="{FF2B5EF4-FFF2-40B4-BE49-F238E27FC236}">
+                    <a16:creationId xmlns:a16="http://schemas.microsoft.com/office/drawing/2014/main" id="{C5FBC9E6-1163-3CAA-AB3E-96B62C5D451B}"/>
+                  </a:ext>
+                </a:extLst>
+              </p:cNvPr>
+              <p:cNvSpPr txBox="1"/>
+              <p:nvPr/>
+            </p:nvSpPr>
+            <p:spPr>
+              <a:xfrm>
+                <a:off x="455396" y="2559184"/>
+                <a:ext cx="14205484" cy="3618235"/>
+              </a:xfrm>
+              <a:prstGeom prst="rect">
+                <a:avLst/>
+              </a:prstGeom>
+              <a:noFill/>
+            </p:spPr>
+            <p:txBody>
+              <a:bodyPr wrap="square" rtlCol="0">
+                <a:spAutoFit/>
+              </a:bodyPr>
+              <a:lstStyle/>
+              <a:p>
+                <a:pPr algn="just"/>
+                <a:r>
+                  <a:rPr lang="ru-RU" dirty="0"/>
+                  <a:t>Модель Ландау–</a:t>
+                </a:r>
+                <a:r>
+                  <a:rPr lang="ru-RU" dirty="0" err="1"/>
+                  <a:t>Левича</a:t>
+                </a:r>
+                <a:r>
+                  <a:rPr lang="ru-RU" dirty="0"/>
+                  <a:t> описывает процесс формирования тонкой жидкой пленки на поверхности, медленно извлекаемой из жидкости. Согласно этой модели, толщина пленки </a:t>
+                </a:r>
+                <a:r>
+                  <a:rPr lang="en-US" dirty="0"/>
+                  <a:t>h</a:t>
+                </a:r>
+                <a:r>
+                  <a:rPr lang="ru-RU" dirty="0"/>
+                  <a:t> зависит от скорости вытягивания </a:t>
+                </a:r>
+                <a:r>
+                  <a:rPr lang="en-US" dirty="0"/>
+                  <a:t>u</a:t>
+                </a:r>
+                <a:r>
+                  <a:rPr lang="ru-RU" dirty="0"/>
+                  <a:t>, вязкости жидкости η, поверхностного натяжения γ</a:t>
+                </a:r>
+                <a:r>
+                  <a:rPr lang="en-US" dirty="0"/>
+                  <a:t> </a:t>
+                </a:r>
+                <a:r>
+                  <a:rPr lang="ru-RU" dirty="0"/>
+                  <a:t>и плотности</a:t>
+                </a:r>
+                <a:r>
+                  <a:rPr lang="en-US" dirty="0"/>
+                  <a:t> </a:t>
+                </a:r>
+                <a:r>
+                  <a:rPr lang="ru-RU" dirty="0"/>
+                  <a:t>жидкости ρ. В упрощённом виде, при низких скоростях и в условиях ламинарного течения, толщина пленки выражается как:</a:t>
+                </a:r>
+              </a:p>
+              <a:p>
+                <a:pPr algn="ctr"/>
+                <a14:m>
+                  <m:oMathPara xmlns:m="http://schemas.openxmlformats.org/officeDocument/2006/math">
+                    <m:oMathParaPr>
+                      <m:jc m:val="centerGroup"/>
+                    </m:oMathParaPr>
+                    <m:oMath xmlns:m="http://schemas.openxmlformats.org/officeDocument/2006/math">
+                      <m:r>
+                        <m:rPr>
+                          <m:sty m:val="p"/>
+                        </m:rPr>
+                        <a:rPr lang="en-US">
+                          <a:latin typeface="Cambria Math" panose="02040503050406030204" pitchFamily="18" charset="0"/>
+                        </a:rPr>
+                        <m:t>h</m:t>
+                      </m:r>
+                      <m:r>
+                        <a:rPr lang="en-US">
+                          <a:latin typeface="Cambria Math" panose="02040503050406030204" pitchFamily="18" charset="0"/>
+                        </a:rPr>
+                        <m:t>=0,93</m:t>
+                      </m:r>
+                      <m:f>
+                        <m:fPr>
+                          <m:ctrlPr>
+                            <a:rPr lang="en-US" i="1">
+                              <a:latin typeface="Cambria Math" panose="02040503050406030204" pitchFamily="18" charset="0"/>
+                            </a:rPr>
+                          </m:ctrlPr>
+                        </m:fPr>
+                        <m:num>
+                          <m:sSup>
+                            <m:sSupPr>
+                              <m:ctrlPr>
+                                <a:rPr lang="en-US" i="1">
+                                  <a:latin typeface="Cambria Math" panose="02040503050406030204" pitchFamily="18" charset="0"/>
+                                </a:rPr>
+                              </m:ctrlPr>
+                            </m:sSupPr>
+                            <m:e>
+                              <m:d>
+                                <m:dPr>
+                                  <m:ctrlPr>
+                                    <a:rPr lang="en-US" i="1">
+                                      <a:latin typeface="Cambria Math" panose="02040503050406030204" pitchFamily="18" charset="0"/>
+                                    </a:rPr>
+                                  </m:ctrlPr>
+                                </m:dPr>
+                                <m:e>
+                                  <m:r>
+                                    <a:rPr lang="en-US" i="1">
+                                      <a:latin typeface="Cambria Math" panose="02040503050406030204" pitchFamily="18" charset="0"/>
+                                    </a:rPr>
+                                    <m:t>𝑢</m:t>
+                                  </m:r>
+                                  <m:r>
+                                    <a:rPr lang="en-US" i="1">
+                                      <a:latin typeface="Cambria Math" panose="02040503050406030204" pitchFamily="18" charset="0"/>
+                                    </a:rPr>
+                                    <m:t>𝜂</m:t>
+                                  </m:r>
+                                </m:e>
+                              </m:d>
+                            </m:e>
+                            <m:sup>
+                              <m:f>
+                                <m:fPr>
+                                  <m:type m:val="skw"/>
+                                  <m:ctrlPr>
+                                    <a:rPr lang="en-US" i="1" smtClean="0">
+                                      <a:latin typeface="Cambria Math" panose="02040503050406030204" pitchFamily="18" charset="0"/>
+                                    </a:rPr>
+                                  </m:ctrlPr>
+                                </m:fPr>
+                                <m:num>
+                                  <m:r>
+                                    <a:rPr lang="ru-RU" b="0" i="1" smtClean="0">
+                                      <a:latin typeface="Cambria Math" panose="02040503050406030204" pitchFamily="18" charset="0"/>
+                                    </a:rPr>
+                                    <m:t>2</m:t>
+                                  </m:r>
+                                </m:num>
+                                <m:den>
+                                  <m:r>
+                                    <a:rPr lang="ru-RU" b="0" i="1" smtClean="0">
+                                      <a:latin typeface="Cambria Math" panose="02040503050406030204" pitchFamily="18" charset="0"/>
+                                    </a:rPr>
+                                    <m:t>3</m:t>
+                                  </m:r>
+                                </m:den>
+                              </m:f>
+                            </m:sup>
+                          </m:sSup>
+                        </m:num>
+                        <m:den>
+                          <m:sSup>
+                            <m:sSupPr>
+                              <m:ctrlPr>
+                                <a:rPr lang="en-US" i="1">
+                                  <a:latin typeface="Cambria Math" panose="02040503050406030204" pitchFamily="18" charset="0"/>
+                                </a:rPr>
+                              </m:ctrlPr>
+                            </m:sSupPr>
+                            <m:e>
+                              <m:r>
+                                <a:rPr lang="en-US" i="1">
+                                  <a:latin typeface="Cambria Math" panose="02040503050406030204" pitchFamily="18" charset="0"/>
+                                </a:rPr>
+                                <m:t>𝜎</m:t>
+                              </m:r>
+                            </m:e>
+                            <m:sup>
+                              <m:f>
+                                <m:fPr>
+                                  <m:type m:val="skw"/>
+                                  <m:ctrlPr>
+                                    <a:rPr lang="en-US" i="1" smtClean="0">
+                                      <a:latin typeface="Cambria Math" panose="02040503050406030204" pitchFamily="18" charset="0"/>
+                                    </a:rPr>
+                                  </m:ctrlPr>
+                                </m:fPr>
+                                <m:num>
+                                  <m:r>
+                                    <a:rPr lang="ru-RU" b="0" i="1" smtClean="0">
+                                      <a:latin typeface="Cambria Math" panose="02040503050406030204" pitchFamily="18" charset="0"/>
+                                    </a:rPr>
+                                    <m:t>1</m:t>
+                                  </m:r>
+                                </m:num>
+                                <m:den>
+                                  <m:r>
+                                    <a:rPr lang="ru-RU" b="0" i="1" smtClean="0">
+                                      <a:latin typeface="Cambria Math" panose="02040503050406030204" pitchFamily="18" charset="0"/>
+                                    </a:rPr>
+                                    <m:t>6</m:t>
+                                  </m:r>
+                                </m:den>
+                              </m:f>
+                            </m:sup>
+                          </m:sSup>
+                          <m:rad>
+                            <m:radPr>
+                              <m:degHide m:val="on"/>
+                              <m:ctrlPr>
+                                <a:rPr lang="en-US" i="1">
+                                  <a:latin typeface="Cambria Math" panose="02040503050406030204" pitchFamily="18" charset="0"/>
+                                </a:rPr>
+                              </m:ctrlPr>
+                            </m:radPr>
+                            <m:deg/>
+                            <m:e>
+                              <m:r>
+                                <a:rPr lang="en-US" i="1">
+                                  <a:latin typeface="Cambria Math" panose="02040503050406030204" pitchFamily="18" charset="0"/>
+                                </a:rPr>
+                                <m:t>𝜌</m:t>
+                              </m:r>
+                              <m:r>
+                                <a:rPr lang="en-US" i="1">
+                                  <a:latin typeface="Cambria Math" panose="02040503050406030204" pitchFamily="18" charset="0"/>
+                                </a:rPr>
+                                <m:t>𝑔</m:t>
+                              </m:r>
+                            </m:e>
+                          </m:rad>
+                        </m:den>
+                      </m:f>
+                    </m:oMath>
+                  </m:oMathPara>
+                </a14:m>
+                <a:endParaRPr lang="ru-RU" b="0" dirty="0"/>
+              </a:p>
+              <a:p>
+                <a:pPr algn="just"/>
+                <a:r>
+                  <a:rPr lang="ru-RU" dirty="0"/>
+                  <a:t>(при рассмотрении образца как бесконечной поверхности, т.е. без учета толщины на краях)</a:t>
+                </a:r>
+              </a:p>
+            </p:txBody>
+          </p:sp>
+        </mc:Choice>
+        <mc:Fallback>
+          <p:sp>
+            <p:nvSpPr>
+              <p:cNvPr id="12" name="TextBox 11">
+                <a:extLst>
+                  <a:ext uri="{FF2B5EF4-FFF2-40B4-BE49-F238E27FC236}">
+                    <a16:creationId xmlns:a16="http://schemas.microsoft.com/office/drawing/2014/main" id="{C5FBC9E6-1163-3CAA-AB3E-96B62C5D451B}"/>
+                  </a:ext>
+                </a:extLst>
+              </p:cNvPr>
+              <p:cNvSpPr txBox="1">
+                <a:spLocks noRot="1" noChangeAspect="1" noMove="1" noResize="1" noEditPoints="1" noAdjustHandles="1" noChangeArrowheads="1" noChangeShapeType="1" noTextEdit="1"/>
+              </p:cNvSpPr>
+              <p:nvPr/>
+            </p:nvSpPr>
+            <p:spPr>
+              <a:xfrm>
+                <a:off x="455396" y="2559184"/>
+                <a:ext cx="14205484" cy="3618235"/>
+              </a:xfrm>
+              <a:prstGeom prst="rect">
+                <a:avLst/>
+              </a:prstGeom>
+              <a:blipFill>
+                <a:blip r:embed="rId5"/>
+                <a:stretch>
+                  <a:fillRect l="-773" t="-1518" r="-773" b="-1518"/>
+                </a:stretch>
+              </a:blipFill>
+            </p:spPr>
+            <p:txBody>
+              <a:bodyPr/>
+              <a:lstStyle/>
+              <a:p>
+                <a:r>
+                  <a:rPr lang="ru-RU">
+                    <a:noFill/>
+                  </a:rPr>
+                  <a:t> </a:t>
+                </a:r>
+              </a:p>
+            </p:txBody>
+          </p:sp>
+        </mc:Fallback>
+      </mc:AlternateContent>
+      <p:sp>
+        <p:nvSpPr>
+          <p:cNvPr id="25" name="Прямоугольник: один скругленный угол 24">
+            <a:extLst>
+              <a:ext uri="{FF2B5EF4-FFF2-40B4-BE49-F238E27FC236}">
+                <a16:creationId xmlns:a16="http://schemas.microsoft.com/office/drawing/2014/main" id="{8C098F11-C807-5272-11FC-78700A695054}"/>
               </a:ext>
             </a:extLst>
           </p:cNvPr>
@@ -4995,8 +4901,8 @@
         </p:nvSpPr>
         <p:spPr>
           <a:xfrm flipH="1">
-            <a:off x="7048990" y="7893931"/>
-            <a:ext cx="1282210" cy="1170999"/>
+            <a:off x="366366" y="8466656"/>
+            <a:ext cx="2585719" cy="2140317"/>
           </a:xfrm>
           <a:prstGeom prst="round1Rect">
             <a:avLst/>
@@ -5037,10 +4943,10 @@
       </p:sp>
       <p:sp>
         <p:nvSpPr>
-          <p:cNvPr id="67" name="Прямоугольник: один скругленный угол 66">
-            <a:extLst>
-              <a:ext uri="{FF2B5EF4-FFF2-40B4-BE49-F238E27FC236}">
-                <a16:creationId xmlns:a16="http://schemas.microsoft.com/office/drawing/2014/main" id="{56812487-FD39-3FB4-96EC-F2D5B724F105}"/>
+          <p:cNvPr id="29" name="Прямоугольник: один скругленный угол 28">
+            <a:extLst>
+              <a:ext uri="{FF2B5EF4-FFF2-40B4-BE49-F238E27FC236}">
+                <a16:creationId xmlns:a16="http://schemas.microsoft.com/office/drawing/2014/main" id="{69433509-9744-BEE5-0C4A-E4534A2B6D94}"/>
               </a:ext>
             </a:extLst>
           </p:cNvPr>
@@ -5048,9 +4954,9 @@
           <p:nvPr/>
         </p:nvSpPr>
         <p:spPr>
-          <a:xfrm>
-            <a:off x="5614982" y="7893932"/>
-            <a:ext cx="1134319" cy="1170999"/>
+          <a:xfrm flipH="1" flipV="1">
+            <a:off x="366365" y="17417958"/>
+            <a:ext cx="2585719" cy="2140317"/>
           </a:xfrm>
           <a:prstGeom prst="round1Rect">
             <a:avLst/>
@@ -5091,10 +4997,10 @@
       </p:sp>
       <p:sp>
         <p:nvSpPr>
-          <p:cNvPr id="69" name="Прямоугольник: один скругленный угол 68">
-            <a:extLst>
-              <a:ext uri="{FF2B5EF4-FFF2-40B4-BE49-F238E27FC236}">
-                <a16:creationId xmlns:a16="http://schemas.microsoft.com/office/drawing/2014/main" id="{7BF7B839-1CFF-538C-74F8-910309F8947E}"/>
+          <p:cNvPr id="30" name="Прямоугольник: один скругленный угол 29">
+            <a:extLst>
+              <a:ext uri="{FF2B5EF4-FFF2-40B4-BE49-F238E27FC236}">
+                <a16:creationId xmlns:a16="http://schemas.microsoft.com/office/drawing/2014/main" id="{9557A843-D585-804A-1BA0-82CEB16B2E49}"/>
               </a:ext>
             </a:extLst>
           </p:cNvPr>
@@ -5102,9 +5008,9 @@
           <p:nvPr/>
         </p:nvSpPr>
         <p:spPr>
-          <a:xfrm>
-            <a:off x="13274041" y="7893932"/>
-            <a:ext cx="1475864" cy="1170999"/>
+          <a:xfrm flipV="1">
+            <a:off x="12161112" y="17417959"/>
+            <a:ext cx="2585719" cy="2140317"/>
           </a:xfrm>
           <a:prstGeom prst="round1Rect">
             <a:avLst/>
@@ -5143,153 +5049,21 @@
           </a:p>
         </p:txBody>
       </p:sp>
-      <p:sp>
-        <p:nvSpPr>
-          <p:cNvPr id="70" name="TextBox 69">
-            <a:extLst>
-              <a:ext uri="{FF2B5EF4-FFF2-40B4-BE49-F238E27FC236}">
-                <a16:creationId xmlns:a16="http://schemas.microsoft.com/office/drawing/2014/main" id="{40FCC0C1-BF4B-AD72-B178-0768BDAFF068}"/>
-              </a:ext>
-            </a:extLst>
-          </p:cNvPr>
-          <p:cNvSpPr txBox="1"/>
-          <p:nvPr/>
-        </p:nvSpPr>
-        <p:spPr>
-          <a:xfrm>
-            <a:off x="936599" y="17172695"/>
-            <a:ext cx="5740607" cy="584775"/>
-          </a:xfrm>
-          <a:prstGeom prst="rect">
-            <a:avLst/>
-          </a:prstGeom>
-          <a:noFill/>
-        </p:spPr>
-        <p:txBody>
-          <a:bodyPr wrap="square" rtlCol="0">
-            <a:spAutoFit/>
-          </a:bodyPr>
-          <a:lstStyle/>
-          <a:p>
-            <a:r>
-              <a:rPr lang="ru-RU" sz="3200" dirty="0">
-                <a:latin typeface="Arial Black" panose="020B0A04020102020204" pitchFamily="34" charset="0"/>
-                <a:cs typeface="Arial" panose="020B0604020202020204" pitchFamily="34" charset="0"/>
-              </a:rPr>
-              <a:t>Выводы</a:t>
-            </a:r>
-            <a:endParaRPr lang="ru-RU" sz="4000" dirty="0">
-              <a:latin typeface="Arial Black" panose="020B0A04020102020204" pitchFamily="34" charset="0"/>
-              <a:cs typeface="Arial" panose="020B0604020202020204" pitchFamily="34" charset="0"/>
-            </a:endParaRPr>
-          </a:p>
-        </p:txBody>
-      </p:sp>
-      <p:sp>
-        <p:nvSpPr>
-          <p:cNvPr id="71" name="TextBox 70">
-            <a:extLst>
-              <a:ext uri="{FF2B5EF4-FFF2-40B4-BE49-F238E27FC236}">
-                <a16:creationId xmlns:a16="http://schemas.microsoft.com/office/drawing/2014/main" id="{3F761020-23F8-6D43-88D1-35ED9656D30A}"/>
-              </a:ext>
-            </a:extLst>
-          </p:cNvPr>
-          <p:cNvSpPr txBox="1"/>
-          <p:nvPr/>
-        </p:nvSpPr>
-        <p:spPr>
-          <a:xfrm>
-            <a:off x="961134" y="7307649"/>
-            <a:ext cx="5716071" cy="584775"/>
-          </a:xfrm>
-          <a:prstGeom prst="rect">
-            <a:avLst/>
-          </a:prstGeom>
-          <a:noFill/>
-        </p:spPr>
-        <p:txBody>
-          <a:bodyPr wrap="square" rtlCol="0">
-            <a:spAutoFit/>
-          </a:bodyPr>
-          <a:lstStyle/>
-          <a:p>
-            <a:r>
-              <a:rPr lang="ru-RU" sz="3200" dirty="0">
-                <a:latin typeface="Arial Black" panose="020B0A04020102020204" pitchFamily="34" charset="0"/>
-              </a:rPr>
-              <a:t>Разработка продукта</a:t>
-            </a:r>
-          </a:p>
-        </p:txBody>
-      </p:sp>
-      <p:sp>
-        <p:nvSpPr>
-          <p:cNvPr id="72" name="TextBox 71">
-            <a:extLst>
-              <a:ext uri="{FF2B5EF4-FFF2-40B4-BE49-F238E27FC236}">
-                <a16:creationId xmlns:a16="http://schemas.microsoft.com/office/drawing/2014/main" id="{9B141340-72B2-1086-8C4B-AA9C665919BB}"/>
-              </a:ext>
-            </a:extLst>
-          </p:cNvPr>
-          <p:cNvSpPr txBox="1"/>
-          <p:nvPr/>
-        </p:nvSpPr>
-        <p:spPr>
-          <a:xfrm flipH="1">
-            <a:off x="10024129" y="7307289"/>
-            <a:ext cx="4725776" cy="584775"/>
-          </a:xfrm>
-          <a:prstGeom prst="rect">
-            <a:avLst/>
-          </a:prstGeom>
-          <a:noFill/>
-        </p:spPr>
-        <p:txBody>
-          <a:bodyPr wrap="square" rtlCol="0">
-            <a:spAutoFit/>
-          </a:bodyPr>
-          <a:lstStyle/>
-          <a:p>
-            <a:pPr algn="r"/>
-            <a:r>
-              <a:rPr lang="ru-RU" sz="3200" dirty="0">
-                <a:latin typeface="Arial Black" panose="020B0A04020102020204" pitchFamily="34" charset="0"/>
-              </a:rPr>
-              <a:t>Тестирование </a:t>
-            </a:r>
-            <a:r>
-              <a:rPr lang="en-US" sz="3200" dirty="0">
-                <a:latin typeface="Arial Black" panose="020B0A04020102020204" pitchFamily="34" charset="0"/>
-              </a:rPr>
-              <a:t>MVP</a:t>
-            </a:r>
-            <a:endParaRPr lang="ru-RU" sz="3200" dirty="0">
-              <a:latin typeface="Arial Black" panose="020B0A04020102020204" pitchFamily="34" charset="0"/>
-            </a:endParaRPr>
-          </a:p>
-        </p:txBody>
-      </p:sp>
       <p:pic>
         <p:nvPicPr>
-          <p:cNvPr id="22" name="Рисунок 21" descr="Изображение выглядит как Шрифт, текст, логотип, Графика&#10;&#10;Контент, сгенерированный ИИ, может содержать ошибки.">
-            <a:extLst>
-              <a:ext uri="{FF2B5EF4-FFF2-40B4-BE49-F238E27FC236}">
-                <a16:creationId xmlns:a16="http://schemas.microsoft.com/office/drawing/2014/main" id="{28D01C51-C253-A37D-AF03-42BDD47D404E}"/>
-              </a:ext>
-            </a:extLst>
-          </p:cNvPr>
-          <p:cNvPicPr>
-            <a:picLocks noChangeAspect="1"/>
-          </p:cNvPicPr>
+          <p:cNvPr id="33" name="Google Shape;68;p15" title="изображение_2025-03-21_155046608.png">
+            <a:extLst>
+              <a:ext uri="{FF2B5EF4-FFF2-40B4-BE49-F238E27FC236}">
+                <a16:creationId xmlns:a16="http://schemas.microsoft.com/office/drawing/2014/main" id="{21831CC5-3713-8681-8B3F-2942AF10D4A3}"/>
+              </a:ext>
+            </a:extLst>
+          </p:cNvPr>
+          <p:cNvPicPr preferRelativeResize="0"/>
           <p:nvPr/>
         </p:nvPicPr>
         <p:blipFill>
-          <a:blip r:embed="rId3">
-            <a:extLst>
-              <a:ext uri="{28A0092B-C50C-407E-A947-70E740481C1C}">
-                <a14:useLocalDpi xmlns:a14="http://schemas.microsoft.com/office/drawing/2010/main" val="0"/>
-              </a:ext>
-            </a:extLst>
+          <a:blip r:embed="rId6">
+            <a:alphaModFix/>
           </a:blip>
           <a:stretch>
             <a:fillRect/>
@@ -5297,20 +5071,24 @@
         </p:blipFill>
         <p:spPr>
           <a:xfrm>
-            <a:off x="11162236" y="20066636"/>
-            <a:ext cx="3771907" cy="1138430"/>
+            <a:off x="5610106" y="6195628"/>
+            <a:ext cx="4263627" cy="1556573"/>
           </a:xfrm>
           <a:prstGeom prst="rect">
             <a:avLst/>
           </a:prstGeom>
+          <a:noFill/>
+          <a:ln>
+            <a:noFill/>
+          </a:ln>
         </p:spPr>
       </p:pic>
       <p:sp>
         <p:nvSpPr>
-          <p:cNvPr id="11" name="TextBox 10">
-            <a:extLst>
-              <a:ext uri="{FF2B5EF4-FFF2-40B4-BE49-F238E27FC236}">
-                <a16:creationId xmlns:a16="http://schemas.microsoft.com/office/drawing/2014/main" id="{03FBAAEE-CB16-9E91-4B50-5CB2698E255F}"/>
+          <p:cNvPr id="39" name="TextBox 38">
+            <a:extLst>
+              <a:ext uri="{FF2B5EF4-FFF2-40B4-BE49-F238E27FC236}">
+                <a16:creationId xmlns:a16="http://schemas.microsoft.com/office/drawing/2014/main" id="{4761F4BF-66FD-5280-F13E-FA8E980D0D33}"/>
               </a:ext>
             </a:extLst>
           </p:cNvPr>
@@ -5319,8 +5097,8 @@
         </p:nvSpPr>
         <p:spPr>
           <a:xfrm>
-            <a:off x="153285" y="20614289"/>
-            <a:ext cx="8784721" cy="646331"/>
+            <a:off x="455396" y="8794172"/>
+            <a:ext cx="14205484" cy="4856714"/>
           </a:xfrm>
           <a:prstGeom prst="rect">
             <a:avLst/>
@@ -5333,48 +5111,126 @@
           </a:bodyPr>
           <a:lstStyle/>
           <a:p>
-            <a:r>
-              <a:rPr lang="ru-RU" sz="1800" baseline="30000" dirty="0">
-                <a:latin typeface="Arial" panose="020B0604020202020204" pitchFamily="34" charset="0"/>
-                <a:cs typeface="Arial" panose="020B0604020202020204" pitchFamily="34" charset="0"/>
+            <a:pPr algn="just"/>
+            <a:r>
+              <a:rPr lang="ru-RU" b="1" dirty="0">
+                <a:latin typeface="+mj-lt"/>
               </a:rPr>
-              <a:t>1</a:t>
-            </a:r>
-            <a:r>
-              <a:rPr lang="ru-RU" sz="1800" dirty="0">
-                <a:latin typeface="Arial" panose="020B0604020202020204" pitchFamily="34" charset="0"/>
-                <a:cs typeface="Arial" panose="020B0604020202020204" pitchFamily="34" charset="0"/>
-              </a:rPr>
-              <a:t> Московский физико-технический институт (национальный исследовательский университет), г. Долгопрудный</a:t>
-            </a:r>
-            <a:endParaRPr lang="en-US" sz="1800" dirty="0">
-              <a:latin typeface="Arial" panose="020B0604020202020204" pitchFamily="34" charset="0"/>
-              <a:cs typeface="Arial" panose="020B0604020202020204" pitchFamily="34" charset="0"/>
-            </a:endParaRPr>
+              <a:t>Цель проекта и актуальность:</a:t>
+            </a:r>
+          </a:p>
+          <a:p>
+            <a:pPr marL="457200" indent="-457200" algn="just">
+              <a:buFont typeface="Arial" panose="020B0604020202020204" pitchFamily="34" charset="0"/>
+              <a:buChar char="•"/>
+            </a:pPr>
+            <a:r>
+              <a:rPr lang="ru-RU" dirty="0"/>
+              <a:t>Цель проекта: спроектировать и изготовить прибор для нанесения тонких пленок (мембран) методом </a:t>
+            </a:r>
+            <a:r>
+              <a:rPr lang="ru-RU" dirty="0" err="1"/>
+              <a:t>dip-coating</a:t>
+            </a:r>
+            <a:r>
+              <a:rPr lang="ru-RU" dirty="0"/>
+              <a:t> с диапазоном скоростей покрытия 1-10 мм/с для лаборатории пост-литий-ионных электрохимических систем Института Электродвижения МФТИ.</a:t>
+            </a:r>
+          </a:p>
+          <a:p>
+            <a:pPr marL="457200" indent="-457200" algn="just">
+              <a:buFont typeface="Arial" panose="020B0604020202020204" pitchFamily="34" charset="0"/>
+              <a:buChar char="•"/>
+            </a:pPr>
+            <a:r>
+              <a:rPr lang="ru-RU" dirty="0"/>
+              <a:t>Актуальность: по предварительным подсчетам, себестоимость итогового продукта не будет превышать 15.000 руб., что в разы дешевле существующих на рынке решений.</a:t>
+            </a:r>
+          </a:p>
+          <a:p>
+            <a:pPr algn="just"/>
+            <a:r>
+              <a:rPr lang="ru-RU" b="1" dirty="0"/>
+              <a:t>Ход разработки:</a:t>
+            </a:r>
+          </a:p>
+          <a:p>
+            <a:pPr marL="514350" indent="-514350" algn="just">
+              <a:buFont typeface="Arial" panose="020B0604020202020204" pitchFamily="34" charset="0"/>
+              <a:buChar char="•"/>
+            </a:pPr>
+            <a:r>
+              <a:rPr lang="ru-RU" dirty="0"/>
+              <a:t>Прототипирование на базе </a:t>
+            </a:r>
+            <a:r>
+              <a:rPr lang="en-US" dirty="0"/>
+              <a:t>Arduino Uno</a:t>
+            </a:r>
+            <a:r>
+              <a:rPr lang="ru-RU" dirty="0"/>
+              <a:t> (написание кода и разработка логики устройства)</a:t>
+            </a:r>
+            <a:r>
+              <a:rPr lang="en-US" dirty="0"/>
+              <a:t>;</a:t>
+            </a:r>
+          </a:p>
+          <a:p>
+            <a:pPr marL="514350" indent="-514350" algn="just">
+              <a:buFont typeface="Arial" panose="020B0604020202020204" pitchFamily="34" charset="0"/>
+              <a:buChar char="•"/>
+            </a:pPr>
+            <a:r>
+              <a:rPr lang="en-US" dirty="0"/>
+              <a:t>3D-</a:t>
+            </a:r>
+            <a:r>
+              <a:rPr lang="ru-RU" dirty="0"/>
+              <a:t>моделирование и печать частей корпуса, рейки и шестерни;</a:t>
+            </a:r>
+          </a:p>
+          <a:p>
+            <a:pPr marL="514350" indent="-514350" algn="just">
+              <a:buFont typeface="Arial" panose="020B0604020202020204" pitchFamily="34" charset="0"/>
+              <a:buChar char="•"/>
+            </a:pPr>
+            <a:r>
+              <a:rPr lang="ru-RU" dirty="0"/>
+              <a:t>Пайка клавиатуры и сборка </a:t>
+            </a:r>
+            <a:r>
+              <a:rPr lang="en-US" dirty="0"/>
+              <a:t>MVP;</a:t>
+            </a:r>
+          </a:p>
+          <a:p>
+            <a:pPr marL="514350" indent="-514350" algn="just">
+              <a:buFont typeface="Arial" panose="020B0604020202020204" pitchFamily="34" charset="0"/>
+              <a:buChar char="•"/>
+            </a:pPr>
+            <a:r>
+              <a:rPr lang="ru-RU" dirty="0"/>
+              <a:t>Финальное тестирование и отладка.</a:t>
+            </a:r>
           </a:p>
         </p:txBody>
       </p:sp>
       <p:pic>
         <p:nvPicPr>
-          <p:cNvPr id="7" name="Рисунок 6" descr="Изображение выглядит как Графика, Шрифт, типография, Цвет электрик&#10;&#10;Контент, сгенерированный ИИ, может содержать ошибки.">
-            <a:extLst>
-              <a:ext uri="{FF2B5EF4-FFF2-40B4-BE49-F238E27FC236}">
-                <a16:creationId xmlns:a16="http://schemas.microsoft.com/office/drawing/2014/main" id="{E932337C-3BF4-D1D5-D220-B425744F5C3C}"/>
-              </a:ext>
-            </a:extLst>
-          </p:cNvPr>
-          <p:cNvPicPr>
-            <a:picLocks noChangeAspect="1"/>
-          </p:cNvPicPr>
+          <p:cNvPr id="44" name="Google Shape;93;p18">
+            <a:extLst>
+              <a:ext uri="{FF2B5EF4-FFF2-40B4-BE49-F238E27FC236}">
+                <a16:creationId xmlns:a16="http://schemas.microsoft.com/office/drawing/2014/main" id="{5AC41474-B482-66F0-2871-C173E1D40FE2}"/>
+              </a:ext>
+            </a:extLst>
+          </p:cNvPr>
+          <p:cNvPicPr preferRelativeResize="0"/>
           <p:nvPr/>
         </p:nvPicPr>
         <p:blipFill>
-          <a:blip r:embed="rId4">
-            <a:extLst>
-              <a:ext uri="{28A0092B-C50C-407E-A947-70E740481C1C}">
-                <a14:useLocalDpi xmlns:a14="http://schemas.microsoft.com/office/drawing/2010/main" val="0"/>
-              </a:ext>
-            </a:extLst>
+          <a:blip r:embed="rId7">
+            <a:alphaModFix/>
           </a:blip>
           <a:stretch>
             <a:fillRect/>
@@ -5382,12 +5238,50 @@
         </p:blipFill>
         <p:spPr>
           <a:xfrm>
-            <a:off x="9726798" y="20066636"/>
-            <a:ext cx="1316248" cy="1316248"/>
+            <a:off x="647842" y="14195422"/>
+            <a:ext cx="6511696" cy="5051801"/>
           </a:xfrm>
           <a:prstGeom prst="rect">
             <a:avLst/>
           </a:prstGeom>
+          <a:noFill/>
+          <a:ln>
+            <a:noFill/>
+          </a:ln>
+        </p:spPr>
+      </p:pic>
+      <p:pic>
+        <p:nvPicPr>
+          <p:cNvPr id="45" name="Google Shape;112;p21">
+            <a:extLst>
+              <a:ext uri="{FF2B5EF4-FFF2-40B4-BE49-F238E27FC236}">
+                <a16:creationId xmlns:a16="http://schemas.microsoft.com/office/drawing/2014/main" id="{904BE9A1-2B32-010F-129B-CBE9C763EF30}"/>
+              </a:ext>
+            </a:extLst>
+          </p:cNvPr>
+          <p:cNvPicPr preferRelativeResize="0"/>
+          <p:nvPr/>
+        </p:nvPicPr>
+        <p:blipFill>
+          <a:blip r:embed="rId8">
+            <a:alphaModFix/>
+          </a:blip>
+          <a:stretch>
+            <a:fillRect/>
+          </a:stretch>
+        </p:blipFill>
+        <p:spPr>
+          <a:xfrm>
+            <a:off x="7614584" y="14195423"/>
+            <a:ext cx="6856924" cy="5051801"/>
+          </a:xfrm>
+          <a:prstGeom prst="rect">
+            <a:avLst/>
+          </a:prstGeom>
+          <a:noFill/>
+          <a:ln>
+            <a:noFill/>
+          </a:ln>
         </p:spPr>
       </p:pic>
     </p:spTree>
